--- a/laneline v- 1.pptx
+++ b/laneline v- 1.pptx
@@ -5,7 +5,7 @@
     <p:sldMasterId id="2147483660" r:id="rId1"/>
   </p:sldMasterIdLst>
   <p:notesMasterIdLst>
-    <p:notesMasterId r:id="rId24"/>
+    <p:notesMasterId r:id="rId23"/>
   </p:notesMasterIdLst>
   <p:sldIdLst>
     <p:sldId id="256" r:id="rId2"/>
@@ -23,13 +23,12 @@
     <p:sldId id="266" r:id="rId14"/>
     <p:sldId id="276" r:id="rId15"/>
     <p:sldId id="277" r:id="rId16"/>
-    <p:sldId id="278" r:id="rId17"/>
-    <p:sldId id="268" r:id="rId18"/>
-    <p:sldId id="269" r:id="rId19"/>
-    <p:sldId id="270" r:id="rId20"/>
-    <p:sldId id="271" r:id="rId21"/>
-    <p:sldId id="272" r:id="rId22"/>
-    <p:sldId id="279" r:id="rId23"/>
+    <p:sldId id="268" r:id="rId17"/>
+    <p:sldId id="269" r:id="rId18"/>
+    <p:sldId id="270" r:id="rId19"/>
+    <p:sldId id="271" r:id="rId20"/>
+    <p:sldId id="272" r:id="rId21"/>
+    <p:sldId id="279" r:id="rId22"/>
   </p:sldIdLst>
   <p:sldSz cx="12192000" cy="6858000"/>
   <p:notesSz cx="6858000" cy="9144000"/>
@@ -1454,7 +1453,7 @@
   <p:cSld>
     <p:spTree>
       <p:nvGrpSpPr>
-        <p:cNvPr id="1" name="Shape 117"/>
+        <p:cNvPr id="1" name="Shape 129"/>
         <p:cNvGrpSpPr/>
         <p:nvPr/>
       </p:nvGrpSpPr>
@@ -1468,7 +1467,7 @@
       </p:grpSpPr>
       <p:sp>
         <p:nvSpPr>
-          <p:cNvPr id="118" name="Google Shape;118;g104a4e9dfd5_1_29:notes"/>
+          <p:cNvPr id="130" name="Google Shape;130;g104a4e9dfd5_1_39:notes"/>
           <p:cNvSpPr>
             <a:spLocks noGrp="1" noRot="1" noChangeAspect="1"/>
           </p:cNvSpPr>
@@ -1509,115 +1508,6 @@
       </p:sp>
       <p:sp>
         <p:nvSpPr>
-          <p:cNvPr id="119" name="Google Shape;119;g104a4e9dfd5_1_29:notes"/>
-          <p:cNvSpPr txBox="1">
-            <a:spLocks noGrp="1"/>
-          </p:cNvSpPr>
-          <p:nvPr>
-            <p:ph type="body" idx="1"/>
-          </p:nvPr>
-        </p:nvSpPr>
-        <p:spPr>
-          <a:xfrm>
-            <a:off x="685800" y="4343400"/>
-            <a:ext cx="5486400" cy="4114800"/>
-          </a:xfrm>
-          <a:prstGeom prst="rect">
-            <a:avLst/>
-          </a:prstGeom>
-        </p:spPr>
-        <p:txBody>
-          <a:bodyPr spcFirstLastPara="1" wrap="square" lIns="91425" tIns="91425" rIns="91425" bIns="91425" anchor="t" anchorCtr="0">
-            <a:noAutofit/>
-          </a:bodyPr>
-          <a:lstStyle/>
-          <a:p>
-            <a:pPr marL="0" lvl="0" indent="0" algn="l" rtl="0">
-              <a:spcBef>
-                <a:spcPts val="0"/>
-              </a:spcBef>
-              <a:spcAft>
-                <a:spcPts val="0"/>
-              </a:spcAft>
-              <a:buNone/>
-            </a:pPr>
-            <a:endParaRPr/>
-          </a:p>
-        </p:txBody>
-      </p:sp>
-    </p:spTree>
-    <p:extLst>
-      <p:ext uri="{BB962C8B-B14F-4D97-AF65-F5344CB8AC3E}">
-        <p14:creationId xmlns:p14="http://schemas.microsoft.com/office/powerpoint/2010/main" val="318418280"/>
-      </p:ext>
-    </p:extLst>
-  </p:cSld>
-  <p:clrMapOvr>
-    <a:masterClrMapping/>
-  </p:clrMapOvr>
-</p:notes>
-</file>
-
-<file path=ppt/notesSlides/notesSlide17.xml><?xml version="1.0" encoding="utf-8"?>
-<p:notes xmlns:a="http://schemas.openxmlformats.org/drawingml/2006/main" xmlns:r="http://schemas.openxmlformats.org/officeDocument/2006/relationships" xmlns:p="http://schemas.openxmlformats.org/presentationml/2006/main" showMasterSp="0" showMasterPhAnim="0">
-  <p:cSld>
-    <p:spTree>
-      <p:nvGrpSpPr>
-        <p:cNvPr id="1" name="Shape 129"/>
-        <p:cNvGrpSpPr/>
-        <p:nvPr/>
-      </p:nvGrpSpPr>
-      <p:grpSpPr>
-        <a:xfrm>
-          <a:off x="0" y="0"/>
-          <a:ext cx="0" cy="0"/>
-          <a:chOff x="0" y="0"/>
-          <a:chExt cx="0" cy="0"/>
-        </a:xfrm>
-      </p:grpSpPr>
-      <p:sp>
-        <p:nvSpPr>
-          <p:cNvPr id="130" name="Google Shape;130;g104a4e9dfd5_1_39:notes"/>
-          <p:cNvSpPr>
-            <a:spLocks noGrp="1" noRot="1" noChangeAspect="1"/>
-          </p:cNvSpPr>
-          <p:nvPr>
-            <p:ph type="sldImg" idx="2"/>
-          </p:nvPr>
-        </p:nvSpPr>
-        <p:spPr>
-          <a:xfrm>
-            <a:off x="381000" y="685800"/>
-            <a:ext cx="6096000" cy="3429000"/>
-          </a:xfrm>
-          <a:custGeom>
-            <a:avLst/>
-            <a:gdLst/>
-            <a:ahLst/>
-            <a:cxnLst/>
-            <a:rect l="l" t="t" r="r" b="b"/>
-            <a:pathLst>
-              <a:path w="120000" h="120000" extrusionOk="0">
-                <a:moveTo>
-                  <a:pt x="0" y="0"/>
-                </a:moveTo>
-                <a:lnTo>
-                  <a:pt x="120000" y="0"/>
-                </a:lnTo>
-                <a:lnTo>
-                  <a:pt x="120000" y="120000"/>
-                </a:lnTo>
-                <a:lnTo>
-                  <a:pt x="0" y="120000"/>
-                </a:lnTo>
-                <a:close/>
-              </a:path>
-            </a:pathLst>
-          </a:custGeom>
-        </p:spPr>
-      </p:sp>
-      <p:sp>
-        <p:nvSpPr>
           <p:cNvPr id="131" name="Google Shape;131;g104a4e9dfd5_1_39:notes"/>
           <p:cNvSpPr txBox="1">
             <a:spLocks noGrp="1"/>
@@ -1662,7 +1552,7 @@
 </p:notes>
 </file>
 
-<file path=ppt/notesSlides/notesSlide18.xml><?xml version="1.0" encoding="utf-8"?>
+<file path=ppt/notesSlides/notesSlide17.xml><?xml version="1.0" encoding="utf-8"?>
 <p:notes xmlns:a="http://schemas.openxmlformats.org/drawingml/2006/main" xmlns:r="http://schemas.openxmlformats.org/officeDocument/2006/relationships" xmlns:p="http://schemas.openxmlformats.org/presentationml/2006/main" showMasterSp="0" showMasterPhAnim="0">
   <p:cSld>
     <p:spTree>
@@ -1766,7 +1656,7 @@
 </p:notes>
 </file>
 
-<file path=ppt/notesSlides/notesSlide19.xml><?xml version="1.0" encoding="utf-8"?>
+<file path=ppt/notesSlides/notesSlide18.xml><?xml version="1.0" encoding="utf-8"?>
 <p:notes xmlns:a="http://schemas.openxmlformats.org/drawingml/2006/main" xmlns:r="http://schemas.openxmlformats.org/officeDocument/2006/relationships" xmlns:p="http://schemas.openxmlformats.org/presentationml/2006/main" showMasterSp="0" showMasterPhAnim="0">
   <p:cSld>
     <p:spTree>
@@ -1859,6 +1749,110 @@
               <a:buNone/>
             </a:pPr>
             <a:endParaRPr/>
+          </a:p>
+        </p:txBody>
+      </p:sp>
+    </p:spTree>
+  </p:cSld>
+  <p:clrMapOvr>
+    <a:masterClrMapping/>
+  </p:clrMapOvr>
+</p:notes>
+</file>
+
+<file path=ppt/notesSlides/notesSlide19.xml><?xml version="1.0" encoding="utf-8"?>
+<p:notes xmlns:a="http://schemas.openxmlformats.org/drawingml/2006/main" xmlns:r="http://schemas.openxmlformats.org/officeDocument/2006/relationships" xmlns:p="http://schemas.openxmlformats.org/presentationml/2006/main" showMasterSp="0" showMasterPhAnim="0">
+  <p:cSld>
+    <p:spTree>
+      <p:nvGrpSpPr>
+        <p:cNvPr id="1" name="Shape 147"/>
+        <p:cNvGrpSpPr/>
+        <p:nvPr/>
+      </p:nvGrpSpPr>
+      <p:grpSpPr>
+        <a:xfrm>
+          <a:off x="0" y="0"/>
+          <a:ext cx="0" cy="0"/>
+          <a:chOff x="0" y="0"/>
+          <a:chExt cx="0" cy="0"/>
+        </a:xfrm>
+      </p:grpSpPr>
+      <p:sp>
+        <p:nvSpPr>
+          <p:cNvPr id="148" name="Google Shape;148;g104a4e9dfd5_2_12:notes"/>
+          <p:cNvSpPr>
+            <a:spLocks noGrp="1" noRot="1" noChangeAspect="1"/>
+          </p:cNvSpPr>
+          <p:nvPr>
+            <p:ph type="sldImg" idx="2"/>
+          </p:nvPr>
+        </p:nvSpPr>
+        <p:spPr>
+          <a:xfrm>
+            <a:off x="381000" y="685800"/>
+            <a:ext cx="6096000" cy="3429000"/>
+          </a:xfrm>
+          <a:custGeom>
+            <a:avLst/>
+            <a:gdLst/>
+            <a:ahLst/>
+            <a:cxnLst/>
+            <a:rect l="l" t="t" r="r" b="b"/>
+            <a:pathLst>
+              <a:path w="120000" h="120000" extrusionOk="0">
+                <a:moveTo>
+                  <a:pt x="0" y="0"/>
+                </a:moveTo>
+                <a:lnTo>
+                  <a:pt x="120000" y="0"/>
+                </a:lnTo>
+                <a:lnTo>
+                  <a:pt x="120000" y="120000"/>
+                </a:lnTo>
+                <a:lnTo>
+                  <a:pt x="0" y="120000"/>
+                </a:lnTo>
+                <a:close/>
+              </a:path>
+            </a:pathLst>
+          </a:custGeom>
+        </p:spPr>
+      </p:sp>
+      <p:sp>
+        <p:nvSpPr>
+          <p:cNvPr id="149" name="Google Shape;149;g104a4e9dfd5_2_12:notes"/>
+          <p:cNvSpPr txBox="1">
+            <a:spLocks noGrp="1"/>
+          </p:cNvSpPr>
+          <p:nvPr>
+            <p:ph type="body" idx="1"/>
+          </p:nvPr>
+        </p:nvSpPr>
+        <p:spPr>
+          <a:xfrm>
+            <a:off x="685800" y="4343400"/>
+            <a:ext cx="5486400" cy="4114800"/>
+          </a:xfrm>
+          <a:prstGeom prst="rect">
+            <a:avLst/>
+          </a:prstGeom>
+        </p:spPr>
+        <p:txBody>
+          <a:bodyPr spcFirstLastPara="1" wrap="square" lIns="91425" tIns="91425" rIns="91425" bIns="91425" anchor="t" anchorCtr="0">
+            <a:noAutofit/>
+          </a:bodyPr>
+          <a:lstStyle/>
+          <a:p>
+            <a:pPr marL="0" lvl="0" indent="0" algn="l" rtl="0">
+              <a:spcBef>
+                <a:spcPts val="0"/>
+              </a:spcBef>
+              <a:spcAft>
+                <a:spcPts val="0"/>
+              </a:spcAft>
+              <a:buNone/>
+            </a:pPr>
+            <a:endParaRPr dirty="0"/>
           </a:p>
         </p:txBody>
       </p:sp>
@@ -1979,7 +1973,7 @@
   <p:cSld>
     <p:spTree>
       <p:nvGrpSpPr>
-        <p:cNvPr id="1" name="Shape 147"/>
+        <p:cNvPr id="1" name="Shape 153"/>
         <p:cNvGrpSpPr/>
         <p:nvPr/>
       </p:nvGrpSpPr>
@@ -1993,7 +1987,7 @@
       </p:grpSpPr>
       <p:sp>
         <p:nvSpPr>
-          <p:cNvPr id="148" name="Google Shape;148;g104a4e9dfd5_2_12:notes"/>
+          <p:cNvPr id="154" name="Google Shape;154;g104a4e9dfd5_2_22:notes"/>
           <p:cNvSpPr>
             <a:spLocks noGrp="1" noRot="1" noChangeAspect="1"/>
           </p:cNvSpPr>
@@ -2034,7 +2028,7 @@
       </p:sp>
       <p:sp>
         <p:nvSpPr>
-          <p:cNvPr id="149" name="Google Shape;149;g104a4e9dfd5_2_12:notes"/>
+          <p:cNvPr id="155" name="Google Shape;155;g104a4e9dfd5_2_22:notes"/>
           <p:cNvSpPr txBox="1">
             <a:spLocks noGrp="1"/>
           </p:cNvSpPr>
@@ -2079,110 +2073,6 @@
 </file>
 
 <file path=ppt/notesSlides/notesSlide21.xml><?xml version="1.0" encoding="utf-8"?>
-<p:notes xmlns:a="http://schemas.openxmlformats.org/drawingml/2006/main" xmlns:r="http://schemas.openxmlformats.org/officeDocument/2006/relationships" xmlns:p="http://schemas.openxmlformats.org/presentationml/2006/main" showMasterSp="0" showMasterPhAnim="0">
-  <p:cSld>
-    <p:spTree>
-      <p:nvGrpSpPr>
-        <p:cNvPr id="1" name="Shape 153"/>
-        <p:cNvGrpSpPr/>
-        <p:nvPr/>
-      </p:nvGrpSpPr>
-      <p:grpSpPr>
-        <a:xfrm>
-          <a:off x="0" y="0"/>
-          <a:ext cx="0" cy="0"/>
-          <a:chOff x="0" y="0"/>
-          <a:chExt cx="0" cy="0"/>
-        </a:xfrm>
-      </p:grpSpPr>
-      <p:sp>
-        <p:nvSpPr>
-          <p:cNvPr id="154" name="Google Shape;154;g104a4e9dfd5_2_22:notes"/>
-          <p:cNvSpPr>
-            <a:spLocks noGrp="1" noRot="1" noChangeAspect="1"/>
-          </p:cNvSpPr>
-          <p:nvPr>
-            <p:ph type="sldImg" idx="2"/>
-          </p:nvPr>
-        </p:nvSpPr>
-        <p:spPr>
-          <a:xfrm>
-            <a:off x="381000" y="685800"/>
-            <a:ext cx="6096000" cy="3429000"/>
-          </a:xfrm>
-          <a:custGeom>
-            <a:avLst/>
-            <a:gdLst/>
-            <a:ahLst/>
-            <a:cxnLst/>
-            <a:rect l="l" t="t" r="r" b="b"/>
-            <a:pathLst>
-              <a:path w="120000" h="120000" extrusionOk="0">
-                <a:moveTo>
-                  <a:pt x="0" y="0"/>
-                </a:moveTo>
-                <a:lnTo>
-                  <a:pt x="120000" y="0"/>
-                </a:lnTo>
-                <a:lnTo>
-                  <a:pt x="120000" y="120000"/>
-                </a:lnTo>
-                <a:lnTo>
-                  <a:pt x="0" y="120000"/>
-                </a:lnTo>
-                <a:close/>
-              </a:path>
-            </a:pathLst>
-          </a:custGeom>
-        </p:spPr>
-      </p:sp>
-      <p:sp>
-        <p:nvSpPr>
-          <p:cNvPr id="155" name="Google Shape;155;g104a4e9dfd5_2_22:notes"/>
-          <p:cNvSpPr txBox="1">
-            <a:spLocks noGrp="1"/>
-          </p:cNvSpPr>
-          <p:nvPr>
-            <p:ph type="body" idx="1"/>
-          </p:nvPr>
-        </p:nvSpPr>
-        <p:spPr>
-          <a:xfrm>
-            <a:off x="685800" y="4343400"/>
-            <a:ext cx="5486400" cy="4114800"/>
-          </a:xfrm>
-          <a:prstGeom prst="rect">
-            <a:avLst/>
-          </a:prstGeom>
-        </p:spPr>
-        <p:txBody>
-          <a:bodyPr spcFirstLastPara="1" wrap="square" lIns="91425" tIns="91425" rIns="91425" bIns="91425" anchor="t" anchorCtr="0">
-            <a:noAutofit/>
-          </a:bodyPr>
-          <a:lstStyle/>
-          <a:p>
-            <a:pPr marL="0" lvl="0" indent="0" algn="l" rtl="0">
-              <a:spcBef>
-                <a:spcPts val="0"/>
-              </a:spcBef>
-              <a:spcAft>
-                <a:spcPts val="0"/>
-              </a:spcAft>
-              <a:buNone/>
-            </a:pPr>
-            <a:endParaRPr dirty="0"/>
-          </a:p>
-        </p:txBody>
-      </p:sp>
-    </p:spTree>
-  </p:cSld>
-  <p:clrMapOvr>
-    <a:masterClrMapping/>
-  </p:clrMapOvr>
-</p:notes>
-</file>
-
-<file path=ppt/notesSlides/notesSlide22.xml><?xml version="1.0" encoding="utf-8"?>
 <p:notes xmlns:a="http://schemas.openxmlformats.org/drawingml/2006/main" xmlns:r="http://schemas.openxmlformats.org/officeDocument/2006/relationships" xmlns:p="http://schemas.openxmlformats.org/presentationml/2006/main" showMasterSp="0" showMasterPhAnim="0">
   <p:cSld>
     <p:spTree>
@@ -10317,233 +10207,6 @@
   <p:cSld>
     <p:spTree>
       <p:nvGrpSpPr>
-        <p:cNvPr id="1" name="Shape 120"/>
-        <p:cNvGrpSpPr/>
-        <p:nvPr/>
-      </p:nvGrpSpPr>
-      <p:grpSpPr>
-        <a:xfrm>
-          <a:off x="0" y="0"/>
-          <a:ext cx="0" cy="0"/>
-          <a:chOff x="0" y="0"/>
-          <a:chExt cx="0" cy="0"/>
-        </a:xfrm>
-      </p:grpSpPr>
-      <p:sp>
-        <p:nvSpPr>
-          <p:cNvPr id="121" name="Google Shape;121;p24"/>
-          <p:cNvSpPr txBox="1">
-            <a:spLocks noGrp="1"/>
-          </p:cNvSpPr>
-          <p:nvPr>
-            <p:ph type="title"/>
-          </p:nvPr>
-        </p:nvSpPr>
-        <p:spPr>
-          <a:xfrm>
-            <a:off x="0" y="65775"/>
-            <a:ext cx="6999600" cy="424200"/>
-          </a:xfrm>
-          <a:prstGeom prst="rect">
-            <a:avLst/>
-          </a:prstGeom>
-        </p:spPr>
-        <p:txBody>
-          <a:bodyPr spcFirstLastPara="1" wrap="square" lIns="91425" tIns="45700" rIns="91425" bIns="45700" anchor="ctr" anchorCtr="0">
-            <a:noAutofit/>
-          </a:bodyPr>
-          <a:lstStyle/>
-          <a:p>
-            <a:pPr marL="0" lvl="0" indent="0" algn="l" rtl="0">
-              <a:spcBef>
-                <a:spcPts val="0"/>
-              </a:spcBef>
-              <a:spcAft>
-                <a:spcPts val="0"/>
-              </a:spcAft>
-              <a:buNone/>
-            </a:pPr>
-            <a:r>
-              <a:rPr lang="en-US" sz="3100" u="sng">
-                <a:latin typeface="Consolas"/>
-                <a:ea typeface="Consolas"/>
-                <a:cs typeface="Consolas"/>
-                <a:sym typeface="Consolas"/>
-              </a:rPr>
-              <a:t>image preprocessing</a:t>
-            </a:r>
-            <a:endParaRPr sz="3100" u="sng">
-              <a:latin typeface="Consolas"/>
-              <a:ea typeface="Consolas"/>
-              <a:cs typeface="Consolas"/>
-              <a:sym typeface="Consolas"/>
-            </a:endParaRPr>
-          </a:p>
-        </p:txBody>
-      </p:sp>
-      <p:sp>
-        <p:nvSpPr>
-          <p:cNvPr id="122" name="Google Shape;122;p24"/>
-          <p:cNvSpPr txBox="1">
-            <a:spLocks noGrp="1"/>
-          </p:cNvSpPr>
-          <p:nvPr>
-            <p:ph type="body" idx="1"/>
-          </p:nvPr>
-        </p:nvSpPr>
-        <p:spPr>
-          <a:xfrm>
-            <a:off x="838200" y="715916"/>
-            <a:ext cx="10515600" cy="731144"/>
-          </a:xfrm>
-          <a:prstGeom prst="rect">
-            <a:avLst/>
-          </a:prstGeom>
-        </p:spPr>
-        <p:txBody>
-          <a:bodyPr spcFirstLastPara="1" wrap="square" lIns="91425" tIns="45700" rIns="91425" bIns="45700" anchor="t" anchorCtr="0">
-            <a:noAutofit/>
-          </a:bodyPr>
-          <a:lstStyle/>
-          <a:p>
-            <a:pPr marL="342900">
-              <a:spcAft>
-                <a:spcPts val="1600"/>
-              </a:spcAft>
-              <a:buClr>
-                <a:schemeClr val="tx1"/>
-              </a:buClr>
-            </a:pPr>
-            <a:r>
-              <a:rPr lang="en-IN" sz="2000" dirty="0">
-                <a:solidFill>
-                  <a:schemeClr val="tx1"/>
-                </a:solidFill>
-                <a:latin typeface="Consolas" panose="020B0609020204030204" pitchFamily="49" charset="0"/>
-                <a:cs typeface="Consolas" panose="020B0609020204030204" pitchFamily="49" charset="0"/>
-              </a:rPr>
-              <a:t>Gaussian Blur to remove noise or to smooth the image.</a:t>
-            </a:r>
-          </a:p>
-          <a:p>
-            <a:pPr marL="342900">
-              <a:spcAft>
-                <a:spcPts val="1600"/>
-              </a:spcAft>
-              <a:buClr>
-                <a:schemeClr val="tx1"/>
-              </a:buClr>
-            </a:pPr>
-            <a:r>
-              <a:rPr lang="en-IN" sz="2000" dirty="0">
-                <a:solidFill>
-                  <a:schemeClr val="tx1"/>
-                </a:solidFill>
-                <a:latin typeface="Consolas" panose="020B0609020204030204" pitchFamily="49" charset="0"/>
-                <a:cs typeface="Consolas" panose="020B0609020204030204" pitchFamily="49" charset="0"/>
-              </a:rPr>
-              <a:t>To remove many detected edges and only keep the most prominent edges from the image.</a:t>
-            </a:r>
-          </a:p>
-          <a:p>
-            <a:pPr marL="342900">
-              <a:spcAft>
-                <a:spcPts val="1600"/>
-              </a:spcAft>
-              <a:buClr>
-                <a:schemeClr val="tx1"/>
-              </a:buClr>
-            </a:pPr>
-            <a:r>
-              <a:rPr lang="en-IN" sz="2000" dirty="0">
-                <a:solidFill>
-                  <a:schemeClr val="tx1"/>
-                </a:solidFill>
-                <a:latin typeface="Consolas" panose="020B0609020204030204" pitchFamily="49" charset="0"/>
-                <a:cs typeface="Consolas" panose="020B0609020204030204" pitchFamily="49" charset="0"/>
-              </a:rPr>
-              <a:t>blur = cv2.GaussianBlur(</a:t>
-            </a:r>
-            <a:r>
-              <a:rPr lang="en-IN" sz="2000" dirty="0" err="1">
-                <a:solidFill>
-                  <a:schemeClr val="tx1"/>
-                </a:solidFill>
-                <a:latin typeface="Consolas" panose="020B0609020204030204" pitchFamily="49" charset="0"/>
-                <a:cs typeface="Consolas" panose="020B0609020204030204" pitchFamily="49" charset="0"/>
-              </a:rPr>
-              <a:t>color_mask</a:t>
-            </a:r>
-            <a:r>
-              <a:rPr lang="en-IN" sz="2000" dirty="0">
-                <a:solidFill>
-                  <a:schemeClr val="tx1"/>
-                </a:solidFill>
-                <a:latin typeface="Consolas" panose="020B0609020204030204" pitchFamily="49" charset="0"/>
-                <a:cs typeface="Consolas" panose="020B0609020204030204" pitchFamily="49" charset="0"/>
-              </a:rPr>
-              <a:t>, (5,5), 0)</a:t>
-            </a:r>
-            <a:endParaRPr sz="2000" dirty="0">
-              <a:solidFill>
-                <a:schemeClr val="tx1"/>
-              </a:solidFill>
-              <a:latin typeface="Consolas" panose="020B0609020204030204" pitchFamily="49" charset="0"/>
-              <a:cs typeface="Consolas" panose="020B0609020204030204" pitchFamily="49" charset="0"/>
-            </a:endParaRPr>
-          </a:p>
-        </p:txBody>
-      </p:sp>
-      <p:pic>
-        <p:nvPicPr>
-          <p:cNvPr id="4" name="Picture 3" descr="A picture containing outdoor object&#10;&#10;Description automatically generated">
-            <a:extLst>
-              <a:ext uri="{FF2B5EF4-FFF2-40B4-BE49-F238E27FC236}">
-                <a16:creationId xmlns:a16="http://schemas.microsoft.com/office/drawing/2014/main" id="{ADFA483F-9B26-F64C-A353-AD5AC377114B}"/>
-              </a:ext>
-            </a:extLst>
-          </p:cNvPr>
-          <p:cNvPicPr>
-            <a:picLocks noChangeAspect="1"/>
-          </p:cNvPicPr>
-          <p:nvPr/>
-        </p:nvPicPr>
-        <p:blipFill rotWithShape="1">
-          <a:blip r:embed="rId3"/>
-          <a:srcRect l="8878" t="38503" r="7497" b="37708"/>
-          <a:stretch/>
-        </p:blipFill>
-        <p:spPr>
-          <a:xfrm>
-            <a:off x="124692" y="3076709"/>
-            <a:ext cx="11942616" cy="3364638"/>
-          </a:xfrm>
-          <a:prstGeom prst="rect">
-            <a:avLst/>
-          </a:prstGeom>
-          <a:solidFill>
-            <a:schemeClr val="tx1"/>
-          </a:solidFill>
-        </p:spPr>
-      </p:pic>
-    </p:spTree>
-    <p:extLst>
-      <p:ext uri="{BB962C8B-B14F-4D97-AF65-F5344CB8AC3E}">
-        <p14:creationId xmlns:p14="http://schemas.microsoft.com/office/powerpoint/2010/main" val="689876169"/>
-      </p:ext>
-    </p:extLst>
-  </p:cSld>
-  <p:clrMapOvr>
-    <a:masterClrMapping/>
-  </p:clrMapOvr>
-</p:sld>
-</file>
-
-<file path=ppt/slides/slide17.xml><?xml version="1.0" encoding="utf-8"?>
-<p:sld xmlns:a="http://schemas.openxmlformats.org/drawingml/2006/main" xmlns:r="http://schemas.openxmlformats.org/officeDocument/2006/relationships" xmlns:p="http://schemas.openxmlformats.org/presentationml/2006/main">
-  <p:cSld>
-    <p:spTree>
-      <p:nvGrpSpPr>
         <p:cNvPr id="1" name="Shape 132"/>
         <p:cNvGrpSpPr/>
         <p:nvPr/>
@@ -10789,7 +10452,7 @@
 </p:sld>
 </file>
 
-<file path=ppt/slides/slide18.xml><?xml version="1.0" encoding="utf-8"?>
+<file path=ppt/slides/slide17.xml><?xml version="1.0" encoding="utf-8"?>
 <p:sld xmlns:a="http://schemas.openxmlformats.org/drawingml/2006/main" xmlns:r="http://schemas.openxmlformats.org/officeDocument/2006/relationships" xmlns:p="http://schemas.openxmlformats.org/presentationml/2006/main">
   <p:cSld>
     <p:spTree>
@@ -11021,7 +10684,7 @@
 </p:sld>
 </file>
 
-<file path=ppt/slides/slide19.xml><?xml version="1.0" encoding="utf-8"?>
+<file path=ppt/slides/slide18.xml><?xml version="1.0" encoding="utf-8"?>
 <p:sld xmlns:a="http://schemas.openxmlformats.org/drawingml/2006/main" xmlns:r="http://schemas.openxmlformats.org/officeDocument/2006/relationships" xmlns:p="http://schemas.openxmlformats.org/presentationml/2006/main">
   <p:cSld>
     <p:spTree>
@@ -11111,7 +10774,7 @@
         </p:blipFill>
         <p:spPr>
           <a:xfrm>
-            <a:off x="165128" y="2976197"/>
+            <a:off x="163186" y="1538299"/>
             <a:ext cx="11865628" cy="3398226"/>
           </a:xfrm>
           <a:prstGeom prst="rect">
@@ -11122,39 +10785,6 @@
           </a:solidFill>
         </p:spPr>
       </p:pic>
-      <p:sp>
-        <p:nvSpPr>
-          <p:cNvPr id="4" name="Text Placeholder 3">
-            <a:extLst>
-              <a:ext uri="{FF2B5EF4-FFF2-40B4-BE49-F238E27FC236}">
-                <a16:creationId xmlns:a16="http://schemas.microsoft.com/office/drawing/2014/main" id="{332906CD-A709-324C-9D3B-D2A920E66AB3}"/>
-              </a:ext>
-            </a:extLst>
-          </p:cNvPr>
-          <p:cNvSpPr>
-            <a:spLocks noGrp="1"/>
-          </p:cNvSpPr>
-          <p:nvPr>
-            <p:ph type="body" idx="1"/>
-          </p:nvPr>
-        </p:nvSpPr>
-        <p:spPr>
-          <a:xfrm>
-            <a:off x="838200" y="702219"/>
-            <a:ext cx="10515600" cy="1945187"/>
-          </a:xfrm>
-        </p:spPr>
-        <p:txBody>
-          <a:bodyPr/>
-          <a:lstStyle/>
-          <a:p>
-            <a:r>
-              <a:rPr lang="en-US" dirty="0"/>
-              <a:t>TODO</a:t>
-            </a:r>
-          </a:p>
-        </p:txBody>
-      </p:sp>
     </p:spTree>
   </p:cSld>
   <p:clrMapOvr>
@@ -11163,211 +10793,7 @@
 </p:sld>
 </file>
 
-<file path=ppt/slides/slide2.xml><?xml version="1.0" encoding="utf-8"?>
-<p:sld xmlns:a="http://schemas.openxmlformats.org/drawingml/2006/main" xmlns:r="http://schemas.openxmlformats.org/officeDocument/2006/relationships" xmlns:p="http://schemas.openxmlformats.org/presentationml/2006/main">
-  <p:cSld>
-    <p:spTree>
-      <p:nvGrpSpPr>
-        <p:cNvPr id="1" name="Shape 66"/>
-        <p:cNvGrpSpPr/>
-        <p:nvPr/>
-      </p:nvGrpSpPr>
-      <p:grpSpPr>
-        <a:xfrm>
-          <a:off x="0" y="0"/>
-          <a:ext cx="0" cy="0"/>
-          <a:chOff x="0" y="0"/>
-          <a:chExt cx="0" cy="0"/>
-        </a:xfrm>
-      </p:grpSpPr>
-      <p:sp>
-        <p:nvSpPr>
-          <p:cNvPr id="67" name="Google Shape;67;p15"/>
-          <p:cNvSpPr txBox="1">
-            <a:spLocks noGrp="1"/>
-          </p:cNvSpPr>
-          <p:nvPr>
-            <p:ph type="title"/>
-          </p:nvPr>
-        </p:nvSpPr>
-        <p:spPr>
-          <a:xfrm>
-            <a:off x="0" y="65775"/>
-            <a:ext cx="6999600" cy="424200"/>
-          </a:xfrm>
-          <a:prstGeom prst="rect">
-            <a:avLst/>
-          </a:prstGeom>
-        </p:spPr>
-        <p:txBody>
-          <a:bodyPr spcFirstLastPara="1" wrap="square" lIns="91425" tIns="45700" rIns="91425" bIns="45700" anchor="ctr" anchorCtr="0">
-            <a:noAutofit/>
-          </a:bodyPr>
-          <a:lstStyle/>
-          <a:p>
-            <a:pPr marL="0" lvl="0" indent="0" algn="l" rtl="0">
-              <a:spcBef>
-                <a:spcPts val="0"/>
-              </a:spcBef>
-              <a:spcAft>
-                <a:spcPts val="0"/>
-              </a:spcAft>
-              <a:buNone/>
-            </a:pPr>
-            <a:r>
-              <a:rPr lang="en-US" sz="3100" u="sng">
-                <a:latin typeface="Consolas"/>
-                <a:ea typeface="Consolas"/>
-                <a:cs typeface="Consolas"/>
-                <a:sym typeface="Consolas"/>
-              </a:rPr>
-              <a:t>Introduction</a:t>
-            </a:r>
-            <a:endParaRPr sz="3100" u="sng">
-              <a:latin typeface="Consolas"/>
-              <a:ea typeface="Consolas"/>
-              <a:cs typeface="Consolas"/>
-              <a:sym typeface="Consolas"/>
-            </a:endParaRPr>
-          </a:p>
-        </p:txBody>
-      </p:sp>
-      <p:sp>
-        <p:nvSpPr>
-          <p:cNvPr id="68" name="Google Shape;68;p15"/>
-          <p:cNvSpPr txBox="1">
-            <a:spLocks noGrp="1"/>
-          </p:cNvSpPr>
-          <p:nvPr>
-            <p:ph type="body" idx="1"/>
-          </p:nvPr>
-        </p:nvSpPr>
-        <p:spPr>
-          <a:xfrm>
-            <a:off x="838200" y="1148639"/>
-            <a:ext cx="10515600" cy="4351200"/>
-          </a:xfrm>
-          <a:prstGeom prst="rect">
-            <a:avLst/>
-          </a:prstGeom>
-        </p:spPr>
-        <p:txBody>
-          <a:bodyPr spcFirstLastPara="1" wrap="square" lIns="91425" tIns="45700" rIns="91425" bIns="45700" anchor="t" anchorCtr="0">
-            <a:noAutofit/>
-          </a:bodyPr>
-          <a:lstStyle/>
-          <a:p>
-            <a:pPr marL="342900">
-              <a:spcBef>
-                <a:spcPts val="1600"/>
-              </a:spcBef>
-              <a:spcAft>
-                <a:spcPts val="1600"/>
-              </a:spcAft>
-              <a:buClr>
-                <a:schemeClr val="tx1"/>
-              </a:buClr>
-            </a:pPr>
-            <a:r>
-              <a:rPr lang="en-IN" sz="2000" dirty="0">
-                <a:solidFill>
-                  <a:schemeClr val="tx1"/>
-                </a:solidFill>
-                <a:latin typeface="Consolas" panose="020B0609020204030204" pitchFamily="49" charset="0"/>
-                <a:cs typeface="Consolas" panose="020B0609020204030204" pitchFamily="49" charset="0"/>
-              </a:rPr>
-              <a:t>Lane lines are designed for humans to follow while driving. In the same way, an autonomous driving system uses lane lines to steer the vehicle accordingly and follow the road track in the correct orientation.</a:t>
-            </a:r>
-          </a:p>
-          <a:p>
-            <a:pPr marL="342900">
-              <a:spcBef>
-                <a:spcPts val="1600"/>
-              </a:spcBef>
-              <a:spcAft>
-                <a:spcPts val="1600"/>
-              </a:spcAft>
-              <a:buClr>
-                <a:schemeClr val="tx1"/>
-              </a:buClr>
-            </a:pPr>
-            <a:r>
-              <a:rPr lang="en-IN" sz="2000" dirty="0">
-                <a:solidFill>
-                  <a:schemeClr val="tx1"/>
-                </a:solidFill>
-                <a:latin typeface="Consolas" panose="020B0609020204030204" pitchFamily="49" charset="0"/>
-                <a:cs typeface="Consolas" panose="020B0609020204030204" pitchFamily="49" charset="0"/>
-                <a:sym typeface="Arial"/>
-              </a:rPr>
-              <a:t>Lane Line detection includes localization of the r</a:t>
-            </a:r>
-            <a:r>
-              <a:rPr lang="en-IN" sz="2000" dirty="0">
-                <a:solidFill>
-                  <a:schemeClr val="tx1"/>
-                </a:solidFill>
-                <a:latin typeface="Consolas" panose="020B0609020204030204" pitchFamily="49" charset="0"/>
-                <a:cs typeface="Consolas" panose="020B0609020204030204" pitchFamily="49" charset="0"/>
-              </a:rPr>
-              <a:t>oad, the determination of the relative position between vehicle and road, and the analysis of the vehicles heading direction.</a:t>
-            </a:r>
-          </a:p>
-          <a:p>
-            <a:pPr marL="342900">
-              <a:spcBef>
-                <a:spcPts val="1600"/>
-              </a:spcBef>
-              <a:spcAft>
-                <a:spcPts val="1600"/>
-              </a:spcAft>
-              <a:buClr>
-                <a:schemeClr val="tx1"/>
-              </a:buClr>
-            </a:pPr>
-            <a:r>
-              <a:rPr lang="en-IN" sz="2000" dirty="0">
-                <a:solidFill>
-                  <a:schemeClr val="tx1"/>
-                </a:solidFill>
-                <a:latin typeface="Consolas" panose="020B0609020204030204" pitchFamily="49" charset="0"/>
-                <a:cs typeface="Consolas" panose="020B0609020204030204" pitchFamily="49" charset="0"/>
-              </a:rPr>
-              <a:t>Lane detection is a difficult problem because of the varying road conditions that one can encounter while driving. </a:t>
-            </a:r>
-          </a:p>
-          <a:p>
-            <a:pPr marL="342900">
-              <a:spcBef>
-                <a:spcPts val="1600"/>
-              </a:spcBef>
-              <a:spcAft>
-                <a:spcPts val="1600"/>
-              </a:spcAft>
-              <a:buClr>
-                <a:schemeClr val="tx1"/>
-              </a:buClr>
-            </a:pPr>
-            <a:endParaRPr sz="2000" dirty="0">
-              <a:solidFill>
-                <a:schemeClr val="tx1"/>
-              </a:solidFill>
-              <a:latin typeface="Consolas" panose="020B0609020204030204" pitchFamily="49" charset="0"/>
-              <a:cs typeface="Consolas" panose="020B0609020204030204" pitchFamily="49" charset="0"/>
-              <a:sym typeface="Arial"/>
-            </a:endParaRPr>
-          </a:p>
-        </p:txBody>
-      </p:sp>
-    </p:spTree>
-  </p:cSld>
-  <p:clrMapOvr>
-    <a:masterClrMapping/>
-  </p:clrMapOvr>
-</p:sld>
-</file>
-
-<file path=ppt/slides/slide20.xml><?xml version="1.0" encoding="utf-8"?>
+<file path=ppt/slides/slide19.xml><?xml version="1.0" encoding="utf-8"?>
 <p:sld xmlns:a="http://schemas.openxmlformats.org/drawingml/2006/main" xmlns:r="http://schemas.openxmlformats.org/officeDocument/2006/relationships" xmlns:p="http://schemas.openxmlformats.org/presentationml/2006/main">
   <p:cSld>
     <p:spTree>
@@ -11569,7 +10995,211 @@
 </p:sld>
 </file>
 
-<file path=ppt/slides/slide21.xml><?xml version="1.0" encoding="utf-8"?>
+<file path=ppt/slides/slide2.xml><?xml version="1.0" encoding="utf-8"?>
+<p:sld xmlns:a="http://schemas.openxmlformats.org/drawingml/2006/main" xmlns:r="http://schemas.openxmlformats.org/officeDocument/2006/relationships" xmlns:p="http://schemas.openxmlformats.org/presentationml/2006/main">
+  <p:cSld>
+    <p:spTree>
+      <p:nvGrpSpPr>
+        <p:cNvPr id="1" name="Shape 66"/>
+        <p:cNvGrpSpPr/>
+        <p:nvPr/>
+      </p:nvGrpSpPr>
+      <p:grpSpPr>
+        <a:xfrm>
+          <a:off x="0" y="0"/>
+          <a:ext cx="0" cy="0"/>
+          <a:chOff x="0" y="0"/>
+          <a:chExt cx="0" cy="0"/>
+        </a:xfrm>
+      </p:grpSpPr>
+      <p:sp>
+        <p:nvSpPr>
+          <p:cNvPr id="67" name="Google Shape;67;p15"/>
+          <p:cNvSpPr txBox="1">
+            <a:spLocks noGrp="1"/>
+          </p:cNvSpPr>
+          <p:nvPr>
+            <p:ph type="title"/>
+          </p:nvPr>
+        </p:nvSpPr>
+        <p:spPr>
+          <a:xfrm>
+            <a:off x="0" y="65775"/>
+            <a:ext cx="6999600" cy="424200"/>
+          </a:xfrm>
+          <a:prstGeom prst="rect">
+            <a:avLst/>
+          </a:prstGeom>
+        </p:spPr>
+        <p:txBody>
+          <a:bodyPr spcFirstLastPara="1" wrap="square" lIns="91425" tIns="45700" rIns="91425" bIns="45700" anchor="ctr" anchorCtr="0">
+            <a:noAutofit/>
+          </a:bodyPr>
+          <a:lstStyle/>
+          <a:p>
+            <a:pPr marL="0" lvl="0" indent="0" algn="l" rtl="0">
+              <a:spcBef>
+                <a:spcPts val="0"/>
+              </a:spcBef>
+              <a:spcAft>
+                <a:spcPts val="0"/>
+              </a:spcAft>
+              <a:buNone/>
+            </a:pPr>
+            <a:r>
+              <a:rPr lang="en-US" sz="3100" u="sng">
+                <a:latin typeface="Consolas"/>
+                <a:ea typeface="Consolas"/>
+                <a:cs typeface="Consolas"/>
+                <a:sym typeface="Consolas"/>
+              </a:rPr>
+              <a:t>Introduction</a:t>
+            </a:r>
+            <a:endParaRPr sz="3100" u="sng">
+              <a:latin typeface="Consolas"/>
+              <a:ea typeface="Consolas"/>
+              <a:cs typeface="Consolas"/>
+              <a:sym typeface="Consolas"/>
+            </a:endParaRPr>
+          </a:p>
+        </p:txBody>
+      </p:sp>
+      <p:sp>
+        <p:nvSpPr>
+          <p:cNvPr id="68" name="Google Shape;68;p15"/>
+          <p:cNvSpPr txBox="1">
+            <a:spLocks noGrp="1"/>
+          </p:cNvSpPr>
+          <p:nvPr>
+            <p:ph type="body" idx="1"/>
+          </p:nvPr>
+        </p:nvSpPr>
+        <p:spPr>
+          <a:xfrm>
+            <a:off x="838200" y="1148639"/>
+            <a:ext cx="10515600" cy="4351200"/>
+          </a:xfrm>
+          <a:prstGeom prst="rect">
+            <a:avLst/>
+          </a:prstGeom>
+        </p:spPr>
+        <p:txBody>
+          <a:bodyPr spcFirstLastPara="1" wrap="square" lIns="91425" tIns="45700" rIns="91425" bIns="45700" anchor="t" anchorCtr="0">
+            <a:noAutofit/>
+          </a:bodyPr>
+          <a:lstStyle/>
+          <a:p>
+            <a:pPr marL="342900">
+              <a:spcBef>
+                <a:spcPts val="1600"/>
+              </a:spcBef>
+              <a:spcAft>
+                <a:spcPts val="1600"/>
+              </a:spcAft>
+              <a:buClr>
+                <a:schemeClr val="tx1"/>
+              </a:buClr>
+            </a:pPr>
+            <a:r>
+              <a:rPr lang="en-IN" sz="2000" dirty="0">
+                <a:solidFill>
+                  <a:schemeClr val="tx1"/>
+                </a:solidFill>
+                <a:latin typeface="Consolas" panose="020B0609020204030204" pitchFamily="49" charset="0"/>
+                <a:cs typeface="Consolas" panose="020B0609020204030204" pitchFamily="49" charset="0"/>
+              </a:rPr>
+              <a:t>Lane lines are designed for humans to follow while driving. In the same way, an autonomous driving system uses lane lines to steer the vehicle accordingly and follow the road track in the correct orientation.</a:t>
+            </a:r>
+          </a:p>
+          <a:p>
+            <a:pPr marL="342900">
+              <a:spcBef>
+                <a:spcPts val="1600"/>
+              </a:spcBef>
+              <a:spcAft>
+                <a:spcPts val="1600"/>
+              </a:spcAft>
+              <a:buClr>
+                <a:schemeClr val="tx1"/>
+              </a:buClr>
+            </a:pPr>
+            <a:r>
+              <a:rPr lang="en-IN" sz="2000" dirty="0">
+                <a:solidFill>
+                  <a:schemeClr val="tx1"/>
+                </a:solidFill>
+                <a:latin typeface="Consolas" panose="020B0609020204030204" pitchFamily="49" charset="0"/>
+                <a:cs typeface="Consolas" panose="020B0609020204030204" pitchFamily="49" charset="0"/>
+                <a:sym typeface="Arial"/>
+              </a:rPr>
+              <a:t>Lane Line detection includes localization of the r</a:t>
+            </a:r>
+            <a:r>
+              <a:rPr lang="en-IN" sz="2000" dirty="0">
+                <a:solidFill>
+                  <a:schemeClr val="tx1"/>
+                </a:solidFill>
+                <a:latin typeface="Consolas" panose="020B0609020204030204" pitchFamily="49" charset="0"/>
+                <a:cs typeface="Consolas" panose="020B0609020204030204" pitchFamily="49" charset="0"/>
+              </a:rPr>
+              <a:t>oad, the determination of the relative position between vehicle and road, and the analysis of the vehicles heading direction.</a:t>
+            </a:r>
+          </a:p>
+          <a:p>
+            <a:pPr marL="342900">
+              <a:spcBef>
+                <a:spcPts val="1600"/>
+              </a:spcBef>
+              <a:spcAft>
+                <a:spcPts val="1600"/>
+              </a:spcAft>
+              <a:buClr>
+                <a:schemeClr val="tx1"/>
+              </a:buClr>
+            </a:pPr>
+            <a:r>
+              <a:rPr lang="en-IN" sz="2000" dirty="0">
+                <a:solidFill>
+                  <a:schemeClr val="tx1"/>
+                </a:solidFill>
+                <a:latin typeface="Consolas" panose="020B0609020204030204" pitchFamily="49" charset="0"/>
+                <a:cs typeface="Consolas" panose="020B0609020204030204" pitchFamily="49" charset="0"/>
+              </a:rPr>
+              <a:t>Lane detection is a difficult problem because of the varying road conditions that one can encounter while driving. </a:t>
+            </a:r>
+          </a:p>
+          <a:p>
+            <a:pPr marL="342900">
+              <a:spcBef>
+                <a:spcPts val="1600"/>
+              </a:spcBef>
+              <a:spcAft>
+                <a:spcPts val="1600"/>
+              </a:spcAft>
+              <a:buClr>
+                <a:schemeClr val="tx1"/>
+              </a:buClr>
+            </a:pPr>
+            <a:endParaRPr sz="2000" dirty="0">
+              <a:solidFill>
+                <a:schemeClr val="tx1"/>
+              </a:solidFill>
+              <a:latin typeface="Consolas" panose="020B0609020204030204" pitchFamily="49" charset="0"/>
+              <a:cs typeface="Consolas" panose="020B0609020204030204" pitchFamily="49" charset="0"/>
+              <a:sym typeface="Arial"/>
+            </a:endParaRPr>
+          </a:p>
+        </p:txBody>
+      </p:sp>
+    </p:spTree>
+  </p:cSld>
+  <p:clrMapOvr>
+    <a:masterClrMapping/>
+  </p:clrMapOvr>
+</p:sld>
+</file>
+
+<file path=ppt/slides/slide20.xml><?xml version="1.0" encoding="utf-8"?>
 <p:sld xmlns:a="http://schemas.openxmlformats.org/drawingml/2006/main" xmlns:r="http://schemas.openxmlformats.org/officeDocument/2006/relationships" xmlns:p="http://schemas.openxmlformats.org/presentationml/2006/main">
   <p:cSld>
     <p:spTree>
@@ -11819,7 +11449,7 @@
 </p:sld>
 </file>
 
-<file path=ppt/slides/slide22.xml><?xml version="1.0" encoding="utf-8"?>
+<file path=ppt/slides/slide21.xml><?xml version="1.0" encoding="utf-8"?>
 <p:sld xmlns:a="http://schemas.openxmlformats.org/drawingml/2006/main" xmlns:r="http://schemas.openxmlformats.org/officeDocument/2006/relationships" xmlns:p="http://schemas.openxmlformats.org/presentationml/2006/main">
   <p:cSld>
     <p:spTree>
@@ -11877,7 +11507,7 @@
                 <a:cs typeface="Consolas"/>
                 <a:sym typeface="Consolas"/>
               </a:rPr>
-              <a:t>End (maybe)</a:t>
+              <a:t>End (.)</a:t>
             </a:r>
             <a:endParaRPr sz="3100" u="sng" dirty="0">
               <a:latin typeface="Consolas"/>
